--- a/report&presentation/cg_presentation.pptx
+++ b/report&presentation/cg_presentation.pptx
@@ -9,7 +9,7 @@
   </p:notesMasterIdLst>
   <p:sldIdLst>
     <p:sldId id="256" r:id="rId2"/>
-    <p:sldId id="260" r:id="rId3"/>
+    <p:sldId id="276" r:id="rId3"/>
     <p:sldId id="259" r:id="rId4"/>
     <p:sldId id="258" r:id="rId5"/>
     <p:sldId id="263" r:id="rId6"/>
@@ -121,7 +121,7 @@
   </p:defaultTextStyle>
   <p:extLst>
     <p:ext uri="{EFAFB233-063F-42B5-8137-9DF3F51BA10A}">
-      <p15:sldGuideLst xmlns:p15="http://schemas.microsoft.com/office/powerpoint/2012/main" xmlns=""/>
+      <p15:sldGuideLst xmlns="" xmlns:p15="http://schemas.microsoft.com/office/powerpoint/2012/main"/>
     </p:ext>
   </p:extLst>
 </p:presentation>
@@ -210,7 +210,7 @@
             <a:fld id="{6DCD3EA9-2AA6-4071-BF40-D9E56A337733}" type="datetimeFigureOut">
               <a:rPr lang="zh-CN" altLang="en-US" smtClean="0"/>
               <a:pPr/>
-              <a:t>2023/2/18</a:t>
+              <a:t>2023/2/19</a:t>
             </a:fld>
             <a:endParaRPr lang="zh-CN" altLang="en-US"/>
           </a:p>
@@ -378,7 +378,7 @@
     </p:spTree>
     <p:extLst>
       <p:ext uri="{BB962C8B-B14F-4D97-AF65-F5344CB8AC3E}">
-        <p14:creationId xmlns:p14="http://schemas.microsoft.com/office/powerpoint/2010/main" xmlns="" val="1177860467"/>
+        <p14:creationId xmlns="" xmlns:p14="http://schemas.microsoft.com/office/powerpoint/2010/main" val="1177860467"/>
       </p:ext>
     </p:extLst>
   </p:cSld>
@@ -714,7 +714,7 @@
                 <a:tabLst/>
                 <a:defRPr/>
               </a:pPr>
-              <a:t>2023/2/18</a:t>
+              <a:t>2023/2/19</a:t>
             </a:fld>
             <a:endParaRPr kumimoji="0" lang="zh-CN" altLang="en-US" sz="1200" b="0" i="0" u="none" strike="noStrike" kern="1200" cap="none" spc="0" normalizeH="0" baseline="0" noProof="0">
               <a:ln>
@@ -876,7 +876,7 @@
     </p:spTree>
     <p:extLst>
       <p:ext uri="{BB962C8B-B14F-4D97-AF65-F5344CB8AC3E}">
-        <p14:creationId xmlns:p14="http://schemas.microsoft.com/office/powerpoint/2010/main" xmlns="" val="2451272672"/>
+        <p14:creationId xmlns="" xmlns:p14="http://schemas.microsoft.com/office/powerpoint/2010/main" val="2451272672"/>
       </p:ext>
     </p:extLst>
   </p:cSld>
@@ -884,7 +884,7 @@
     <a:masterClrMapping/>
   </p:clrMapOvr>
   <mc:AlternateContent xmlns:mc="http://schemas.openxmlformats.org/markup-compatibility/2006">
-    <mc:Choice xmlns:p159="http://schemas.microsoft.com/office/powerpoint/2015/09/main" xmlns="" Requires="p159">
+    <mc:Choice xmlns="" xmlns:p159="http://schemas.microsoft.com/office/powerpoint/2015/09/main" Requires="p159">
       <p:transition xmlns:p14="http://schemas.microsoft.com/office/powerpoint/2010/main" spd="slow" p14:dur="2000">
         <p159:morph option="byWord"/>
       </p:transition>
@@ -1056,7 +1056,7 @@
                 <a:tabLst/>
                 <a:defRPr/>
               </a:pPr>
-              <a:t>2023/2/18</a:t>
+              <a:t>2023/2/19</a:t>
             </a:fld>
             <a:endParaRPr kumimoji="0" lang="zh-CN" altLang="en-US" sz="1200" b="0" i="0" u="none" strike="noStrike" kern="1200" cap="none" spc="0" normalizeH="0" baseline="0" noProof="0">
               <a:ln>
@@ -1218,7 +1218,7 @@
     </p:spTree>
     <p:extLst>
       <p:ext uri="{BB962C8B-B14F-4D97-AF65-F5344CB8AC3E}">
-        <p14:creationId xmlns:p14="http://schemas.microsoft.com/office/powerpoint/2010/main" xmlns="" val="499544346"/>
+        <p14:creationId xmlns="" xmlns:p14="http://schemas.microsoft.com/office/powerpoint/2010/main" val="499544346"/>
       </p:ext>
     </p:extLst>
   </p:cSld>
@@ -1226,7 +1226,7 @@
     <a:masterClrMapping/>
   </p:clrMapOvr>
   <mc:AlternateContent xmlns:mc="http://schemas.openxmlformats.org/markup-compatibility/2006">
-    <mc:Choice xmlns:p159="http://schemas.microsoft.com/office/powerpoint/2015/09/main" xmlns="" Requires="p159">
+    <mc:Choice xmlns="" xmlns:p159="http://schemas.microsoft.com/office/powerpoint/2015/09/main" Requires="p159">
       <p:transition xmlns:p14="http://schemas.microsoft.com/office/powerpoint/2010/main" spd="slow" p14:dur="2000">
         <p159:morph option="byWord"/>
       </p:transition>
@@ -1408,7 +1408,7 @@
                 <a:tabLst/>
                 <a:defRPr/>
               </a:pPr>
-              <a:t>2023/2/18</a:t>
+              <a:t>2023/2/19</a:t>
             </a:fld>
             <a:endParaRPr kumimoji="0" lang="zh-CN" altLang="en-US" sz="1200" b="0" i="0" u="none" strike="noStrike" kern="1200" cap="none" spc="0" normalizeH="0" baseline="0" noProof="0">
               <a:ln>
@@ -1570,7 +1570,7 @@
     </p:spTree>
     <p:extLst>
       <p:ext uri="{BB962C8B-B14F-4D97-AF65-F5344CB8AC3E}">
-        <p14:creationId xmlns:p14="http://schemas.microsoft.com/office/powerpoint/2010/main" xmlns="" val="300362076"/>
+        <p14:creationId xmlns="" xmlns:p14="http://schemas.microsoft.com/office/powerpoint/2010/main" val="300362076"/>
       </p:ext>
     </p:extLst>
   </p:cSld>
@@ -1578,7 +1578,7 @@
     <a:masterClrMapping/>
   </p:clrMapOvr>
   <mc:AlternateContent xmlns:mc="http://schemas.openxmlformats.org/markup-compatibility/2006">
-    <mc:Choice xmlns:p159="http://schemas.microsoft.com/office/powerpoint/2015/09/main" xmlns="" Requires="p159">
+    <mc:Choice xmlns="" xmlns:p159="http://schemas.microsoft.com/office/powerpoint/2015/09/main" Requires="p159">
       <p:transition xmlns:p14="http://schemas.microsoft.com/office/powerpoint/2010/main" spd="slow" p14:dur="2000">
         <p159:morph option="byWord"/>
       </p:transition>
@@ -1778,7 +1778,7 @@
                 <a:tabLst/>
                 <a:defRPr/>
               </a:pPr>
-              <a:t>2023/2/18</a:t>
+              <a:t>2023/2/19</a:t>
             </a:fld>
             <a:endParaRPr kumimoji="0" lang="zh-CN" altLang="en-US" sz="1200" b="0" i="0" u="none" strike="noStrike" kern="1200" cap="none" spc="0" normalizeH="0" baseline="0" noProof="0">
               <a:ln>
@@ -1953,7 +1953,7 @@
     </p:spTree>
     <p:extLst>
       <p:ext uri="{BB962C8B-B14F-4D97-AF65-F5344CB8AC3E}">
-        <p14:creationId xmlns:p14="http://schemas.microsoft.com/office/powerpoint/2010/main" xmlns="" val="342738848"/>
+        <p14:creationId xmlns="" xmlns:p14="http://schemas.microsoft.com/office/powerpoint/2010/main" val="342738848"/>
       </p:ext>
     </p:extLst>
   </p:cSld>
@@ -1961,7 +1961,7 @@
     <a:masterClrMapping/>
   </p:clrMapOvr>
   <mc:AlternateContent xmlns:mc="http://schemas.openxmlformats.org/markup-compatibility/2006">
-    <mc:Choice xmlns:p159="http://schemas.microsoft.com/office/powerpoint/2015/09/main" xmlns="" Requires="p159">
+    <mc:Choice xmlns="" xmlns:p159="http://schemas.microsoft.com/office/powerpoint/2015/09/main" Requires="p159">
       <p:transition xmlns:p14="http://schemas.microsoft.com/office/powerpoint/2010/main" spd="slow" p14:dur="2000">
         <p159:morph option="byWord"/>
       </p:transition>
@@ -2058,7 +2058,7 @@
                 <a:tabLst/>
                 <a:defRPr/>
               </a:pPr>
-              <a:t>2023/2/18</a:t>
+              <a:t>2023/2/19</a:t>
             </a:fld>
             <a:endParaRPr kumimoji="0" lang="zh-CN" altLang="en-US" sz="1200" b="0" i="0" u="none" strike="noStrike" kern="1200" cap="none" spc="0" normalizeH="0" baseline="0" noProof="0">
               <a:ln>
@@ -2228,7 +2228,7 @@
     </p:spTree>
     <p:extLst>
       <p:ext uri="{BB962C8B-B14F-4D97-AF65-F5344CB8AC3E}">
-        <p14:creationId xmlns:p14="http://schemas.microsoft.com/office/powerpoint/2010/main" xmlns="" val="4044913164"/>
+        <p14:creationId xmlns="" xmlns:p14="http://schemas.microsoft.com/office/powerpoint/2010/main" val="4044913164"/>
       </p:ext>
     </p:extLst>
   </p:cSld>
@@ -2236,7 +2236,7 @@
     <a:masterClrMapping/>
   </p:clrMapOvr>
   <mc:AlternateContent xmlns:mc="http://schemas.openxmlformats.org/markup-compatibility/2006">
-    <mc:Choice xmlns:p159="http://schemas.microsoft.com/office/powerpoint/2015/09/main" xmlns="" Requires="p159">
+    <mc:Choice xmlns="" xmlns:p159="http://schemas.microsoft.com/office/powerpoint/2015/09/main" Requires="p159">
       <p:transition xmlns:p14="http://schemas.microsoft.com/office/powerpoint/2010/main" spd="slow" p14:dur="2000">
         <p159:morph option="byWord"/>
       </p:transition>
@@ -2333,7 +2333,7 @@
                 <a:tabLst/>
                 <a:defRPr/>
               </a:pPr>
-              <a:t>2023/2/18</a:t>
+              <a:t>2023/2/19</a:t>
             </a:fld>
             <a:endParaRPr kumimoji="0" lang="zh-CN" altLang="en-US" sz="1200" b="0" i="0" u="none" strike="noStrike" kern="1200" cap="none" spc="0" normalizeH="0" baseline="0" noProof="0">
               <a:ln>
@@ -2503,7 +2503,7 @@
     </p:spTree>
     <p:extLst>
       <p:ext uri="{BB962C8B-B14F-4D97-AF65-F5344CB8AC3E}">
-        <p14:creationId xmlns:p14="http://schemas.microsoft.com/office/powerpoint/2010/main" xmlns="" val="1884092201"/>
+        <p14:creationId xmlns="" xmlns:p14="http://schemas.microsoft.com/office/powerpoint/2010/main" val="1884092201"/>
       </p:ext>
     </p:extLst>
   </p:cSld>
@@ -2511,7 +2511,7 @@
     <a:masterClrMapping/>
   </p:clrMapOvr>
   <mc:AlternateContent xmlns:mc="http://schemas.openxmlformats.org/markup-compatibility/2006">
-    <mc:Choice xmlns:p159="http://schemas.microsoft.com/office/powerpoint/2015/09/main" xmlns="" Requires="p159">
+    <mc:Choice xmlns="" xmlns:p159="http://schemas.microsoft.com/office/powerpoint/2015/09/main" Requires="p159">
       <p:transition xmlns:p14="http://schemas.microsoft.com/office/powerpoint/2010/main" spd="slow" p14:dur="2000">
         <p159:morph option="byWord"/>
       </p:transition>
@@ -2608,7 +2608,7 @@
                 <a:tabLst/>
                 <a:defRPr/>
               </a:pPr>
-              <a:t>2023/2/18</a:t>
+              <a:t>2023/2/19</a:t>
             </a:fld>
             <a:endParaRPr kumimoji="0" lang="zh-CN" altLang="en-US" sz="1200" b="0" i="0" u="none" strike="noStrike" kern="1200" cap="none" spc="0" normalizeH="0" baseline="0" noProof="0">
               <a:ln>
@@ -16623,7 +16623,7 @@
     </p:spTree>
     <p:extLst>
       <p:ext uri="{BB962C8B-B14F-4D97-AF65-F5344CB8AC3E}">
-        <p14:creationId xmlns:p14="http://schemas.microsoft.com/office/powerpoint/2010/main" xmlns="" val="10380864"/>
+        <p14:creationId xmlns="" xmlns:p14="http://schemas.microsoft.com/office/powerpoint/2010/main" val="10380864"/>
       </p:ext>
     </p:extLst>
   </p:cSld>
@@ -16631,7 +16631,7 @@
     <a:masterClrMapping/>
   </p:clrMapOvr>
   <mc:AlternateContent xmlns:mc="http://schemas.openxmlformats.org/markup-compatibility/2006">
-    <mc:Choice xmlns:p159="http://schemas.microsoft.com/office/powerpoint/2015/09/main" xmlns="" Requires="p159">
+    <mc:Choice xmlns="" xmlns:p159="http://schemas.microsoft.com/office/powerpoint/2015/09/main" Requires="p159">
       <p:transition xmlns:p14="http://schemas.microsoft.com/office/powerpoint/2010/main" spd="slow" p14:dur="2000">
         <p159:morph option="byWord"/>
       </p:transition>
@@ -16728,7 +16728,7 @@
                 <a:tabLst/>
                 <a:defRPr/>
               </a:pPr>
-              <a:t>2023/2/18</a:t>
+              <a:t>2023/2/19</a:t>
             </a:fld>
             <a:endParaRPr kumimoji="0" lang="zh-CN" altLang="en-US" sz="1200" b="0" i="0" u="none" strike="noStrike" kern="1200" cap="none" spc="0" normalizeH="0" baseline="0" noProof="0">
               <a:ln>
@@ -16898,7 +16898,7 @@
     </p:spTree>
     <p:extLst>
       <p:ext uri="{BB962C8B-B14F-4D97-AF65-F5344CB8AC3E}">
-        <p14:creationId xmlns:p14="http://schemas.microsoft.com/office/powerpoint/2010/main" xmlns="" val="3888393547"/>
+        <p14:creationId xmlns="" xmlns:p14="http://schemas.microsoft.com/office/powerpoint/2010/main" val="3888393547"/>
       </p:ext>
     </p:extLst>
   </p:cSld>
@@ -16906,7 +16906,7 @@
     <a:masterClrMapping/>
   </p:clrMapOvr>
   <mc:AlternateContent xmlns:mc="http://schemas.openxmlformats.org/markup-compatibility/2006">
-    <mc:Choice xmlns:p159="http://schemas.microsoft.com/office/powerpoint/2015/09/main" xmlns="" Requires="p159">
+    <mc:Choice xmlns="" xmlns:p159="http://schemas.microsoft.com/office/powerpoint/2015/09/main" Requires="p159">
       <p:transition xmlns:p14="http://schemas.microsoft.com/office/powerpoint/2010/main" spd="slow" p14:dur="2000">
         <p159:morph option="byWord"/>
       </p:transition>
@@ -17015,7 +17015,7 @@
     </p:spTree>
     <p:extLst>
       <p:ext uri="{BB962C8B-B14F-4D97-AF65-F5344CB8AC3E}">
-        <p14:creationId xmlns:p14="http://schemas.microsoft.com/office/powerpoint/2010/main" xmlns="" val="1851600019"/>
+        <p14:creationId xmlns="" xmlns:p14="http://schemas.microsoft.com/office/powerpoint/2010/main" val="1851600019"/>
       </p:ext>
     </p:extLst>
   </p:cSld>
@@ -17023,7 +17023,7 @@
     <a:masterClrMapping/>
   </p:clrMapOvr>
   <mc:AlternateContent xmlns:mc="http://schemas.openxmlformats.org/markup-compatibility/2006">
-    <mc:Choice xmlns:p159="http://schemas.microsoft.com/office/powerpoint/2015/09/main" xmlns="" Requires="p159">
+    <mc:Choice xmlns="" xmlns:p159="http://schemas.microsoft.com/office/powerpoint/2015/09/main" Requires="p159">
       <p:transition xmlns:p14="http://schemas.microsoft.com/office/powerpoint/2010/main" spd="slow" p14:dur="2000">
         <p159:morph option="byWord"/>
       </p:transition>
@@ -17137,7 +17137,7 @@
                 <a:tabLst/>
                 <a:defRPr/>
               </a:pPr>
-              <a:t>2023/2/18</a:t>
+              <a:t>2023/2/19</a:t>
             </a:fld>
             <a:endParaRPr kumimoji="0" lang="zh-CN" altLang="en-US" sz="1200" b="0" i="0" u="none" strike="noStrike" kern="1200" cap="none" spc="0" normalizeH="0" baseline="0" noProof="0" dirty="0">
               <a:ln>
@@ -17331,7 +17331,7 @@
           <a:blip r:embed="rId2" cstate="email">
             <a:extLst>
               <a:ext uri="{28A0092B-C50C-407E-A947-70E740481C1C}">
-                <a14:useLocalDpi xmlns:a14="http://schemas.microsoft.com/office/drawing/2010/main" xmlns=""/>
+                <a14:useLocalDpi xmlns="" xmlns:a14="http://schemas.microsoft.com/office/drawing/2010/main"/>
               </a:ext>
             </a:extLst>
           </a:blip>
@@ -17361,7 +17361,7 @@
           <a:blip r:embed="rId3" cstate="email">
             <a:extLst>
               <a:ext uri="{28A0092B-C50C-407E-A947-70E740481C1C}">
-                <a14:useLocalDpi xmlns:a14="http://schemas.microsoft.com/office/drawing/2010/main" xmlns=""/>
+                <a14:useLocalDpi xmlns="" xmlns:a14="http://schemas.microsoft.com/office/drawing/2010/main"/>
               </a:ext>
             </a:extLst>
           </a:blip>
@@ -17381,7 +17381,7 @@
     </p:spTree>
     <p:extLst>
       <p:ext uri="{BB962C8B-B14F-4D97-AF65-F5344CB8AC3E}">
-        <p14:creationId xmlns:p14="http://schemas.microsoft.com/office/powerpoint/2010/main" xmlns="" val="817167390"/>
+        <p14:creationId xmlns="" xmlns:p14="http://schemas.microsoft.com/office/powerpoint/2010/main" val="817167390"/>
       </p:ext>
     </p:extLst>
   </p:cSld>
@@ -17389,7 +17389,7 @@
     <a:overrideClrMapping bg1="dk1" tx1="lt1" bg2="dk2" tx2="lt2" accent1="accent1" accent2="accent2" accent3="accent3" accent4="accent4" accent5="accent5" accent6="accent6" hlink="hlink" folHlink="folHlink"/>
   </p:clrMapOvr>
   <mc:AlternateContent xmlns:mc="http://schemas.openxmlformats.org/markup-compatibility/2006">
-    <mc:Choice xmlns:p159="http://schemas.microsoft.com/office/powerpoint/2015/09/main" xmlns="" Requires="p159">
+    <mc:Choice xmlns="" xmlns:p159="http://schemas.microsoft.com/office/powerpoint/2015/09/main" Requires="p159">
       <p:transition xmlns:p14="http://schemas.microsoft.com/office/powerpoint/2010/main" spd="slow" p14:dur="2000">
         <p159:morph option="byWord"/>
       </p:transition>
@@ -17561,7 +17561,7 @@
                 <a:tabLst/>
                 <a:defRPr/>
               </a:pPr>
-              <a:t>2023/2/18</a:t>
+              <a:t>2023/2/19</a:t>
             </a:fld>
             <a:endParaRPr kumimoji="0" lang="zh-CN" altLang="en-US" sz="1200" b="0" i="0" u="none" strike="noStrike" kern="1200" cap="none" spc="0" normalizeH="0" baseline="0" noProof="0">
               <a:ln>
@@ -17723,7 +17723,7 @@
     </p:spTree>
     <p:extLst>
       <p:ext uri="{BB962C8B-B14F-4D97-AF65-F5344CB8AC3E}">
-        <p14:creationId xmlns:p14="http://schemas.microsoft.com/office/powerpoint/2010/main" xmlns="" val="3590433380"/>
+        <p14:creationId xmlns="" xmlns:p14="http://schemas.microsoft.com/office/powerpoint/2010/main" val="3590433380"/>
       </p:ext>
     </p:extLst>
   </p:cSld>
@@ -17731,7 +17731,7 @@
     <a:masterClrMapping/>
   </p:clrMapOvr>
   <mc:AlternateContent xmlns:mc="http://schemas.openxmlformats.org/markup-compatibility/2006">
-    <mc:Choice xmlns:p159="http://schemas.microsoft.com/office/powerpoint/2015/09/main" xmlns="" Requires="p159">
+    <mc:Choice xmlns="" xmlns:p159="http://schemas.microsoft.com/office/powerpoint/2015/09/main" Requires="p159">
       <p:transition xmlns:p14="http://schemas.microsoft.com/office/powerpoint/2010/main" spd="slow" p14:dur="2000">
         <p159:morph option="byWord"/>
       </p:transition>
@@ -17979,7 +17979,7 @@
                 <a:tabLst/>
                 <a:defRPr/>
               </a:pPr>
-              <a:t>2023/2/18</a:t>
+              <a:t>2023/2/19</a:t>
             </a:fld>
             <a:endParaRPr kumimoji="0" lang="zh-CN" altLang="en-US" sz="1200" b="0" i="0" u="none" strike="noStrike" kern="1200" cap="none" spc="0" normalizeH="0" baseline="0" noProof="0" dirty="0">
               <a:ln>
@@ -18143,7 +18143,7 @@
           <p:cNvPr id="7" name="图片 6">
             <a:extLst>
               <a:ext uri="{FF2B5EF4-FFF2-40B4-BE49-F238E27FC236}">
-                <a16:creationId xmlns:a16="http://schemas.microsoft.com/office/drawing/2014/main" xmlns="" id="{53AF9182-2419-49F1-858C-FB7360F566D6}"/>
+                <a16:creationId xmlns="" xmlns:a16="http://schemas.microsoft.com/office/drawing/2014/main" id="{53AF9182-2419-49F1-858C-FB7360F566D6}"/>
               </a:ext>
             </a:extLst>
           </p:cNvPr>
@@ -18156,7 +18156,7 @@
           <a:blip r:embed="rId2" cstate="email">
             <a:extLst>
               <a:ext uri="{28A0092B-C50C-407E-A947-70E740481C1C}">
-                <a14:useLocalDpi xmlns:a14="http://schemas.microsoft.com/office/drawing/2010/main" xmlns=""/>
+                <a14:useLocalDpi xmlns="" xmlns:a14="http://schemas.microsoft.com/office/drawing/2010/main"/>
               </a:ext>
             </a:extLst>
           </a:blip>
@@ -18178,7 +18178,7 @@
           <p:cNvPr id="8" name="图片 7">
             <a:extLst>
               <a:ext uri="{FF2B5EF4-FFF2-40B4-BE49-F238E27FC236}">
-                <a16:creationId xmlns:a16="http://schemas.microsoft.com/office/drawing/2014/main" xmlns="" id="{8B0E452A-080D-427F-9FFD-C792FFEDEFD4}"/>
+                <a16:creationId xmlns="" xmlns:a16="http://schemas.microsoft.com/office/drawing/2014/main" id="{8B0E452A-080D-427F-9FFD-C792FFEDEFD4}"/>
               </a:ext>
             </a:extLst>
           </p:cNvPr>
@@ -18191,7 +18191,7 @@
           <a:blip r:embed="rId3" cstate="email">
             <a:extLst>
               <a:ext uri="{28A0092B-C50C-407E-A947-70E740481C1C}">
-                <a14:useLocalDpi xmlns:a14="http://schemas.microsoft.com/office/drawing/2010/main" xmlns=""/>
+                <a14:useLocalDpi xmlns="" xmlns:a14="http://schemas.microsoft.com/office/drawing/2010/main"/>
               </a:ext>
             </a:extLst>
           </a:blip>
@@ -18212,7 +18212,7 @@
     </p:spTree>
     <p:extLst>
       <p:ext uri="{BB962C8B-B14F-4D97-AF65-F5344CB8AC3E}">
-        <p14:creationId xmlns:p14="http://schemas.microsoft.com/office/powerpoint/2010/main" xmlns="" val="632791689"/>
+        <p14:creationId xmlns="" xmlns:p14="http://schemas.microsoft.com/office/powerpoint/2010/main" val="632791689"/>
       </p:ext>
     </p:extLst>
   </p:cSld>
@@ -18220,7 +18220,7 @@
     <a:masterClrMapping/>
   </p:clrMapOvr>
   <mc:AlternateContent xmlns:mc="http://schemas.openxmlformats.org/markup-compatibility/2006">
-    <mc:Choice xmlns:p159="http://schemas.microsoft.com/office/powerpoint/2015/09/main" xmlns="" Requires="p159">
+    <mc:Choice xmlns="" xmlns:p159="http://schemas.microsoft.com/office/powerpoint/2015/09/main" Requires="p159">
       <p:transition xmlns:p14="http://schemas.microsoft.com/office/powerpoint/2010/main" spd="slow" p14:dur="2000">
         <p159:morph option="byWord"/>
       </p:transition>
@@ -18454,7 +18454,7 @@
                 <a:tabLst/>
                 <a:defRPr/>
               </a:pPr>
-              <a:t>2023/2/18</a:t>
+              <a:t>2023/2/19</a:t>
             </a:fld>
             <a:endParaRPr kumimoji="0" lang="zh-CN" altLang="en-US" sz="1200" b="0" i="0" u="none" strike="noStrike" kern="1200" cap="none" spc="0" normalizeH="0" baseline="0" noProof="0">
               <a:ln>
@@ -18616,7 +18616,7 @@
     </p:spTree>
     <p:extLst>
       <p:ext uri="{BB962C8B-B14F-4D97-AF65-F5344CB8AC3E}">
-        <p14:creationId xmlns:p14="http://schemas.microsoft.com/office/powerpoint/2010/main" xmlns="" val="4124492962"/>
+        <p14:creationId xmlns="" xmlns:p14="http://schemas.microsoft.com/office/powerpoint/2010/main" val="4124492962"/>
       </p:ext>
     </p:extLst>
   </p:cSld>
@@ -18624,7 +18624,7 @@
     <a:masterClrMapping/>
   </p:clrMapOvr>
   <mc:AlternateContent xmlns:mc="http://schemas.openxmlformats.org/markup-compatibility/2006">
-    <mc:Choice xmlns:p159="http://schemas.microsoft.com/office/powerpoint/2015/09/main" xmlns="" Requires="p159">
+    <mc:Choice xmlns="" xmlns:p159="http://schemas.microsoft.com/office/powerpoint/2015/09/main" Requires="p159">
       <p:transition xmlns:p14="http://schemas.microsoft.com/office/powerpoint/2010/main" spd="slow" p14:dur="2000">
         <p159:morph option="byWord"/>
       </p:transition>
@@ -18993,7 +18993,7 @@
                 <a:tabLst/>
                 <a:defRPr/>
               </a:pPr>
-              <a:t>2023/2/18</a:t>
+              <a:t>2023/2/19</a:t>
             </a:fld>
             <a:endParaRPr kumimoji="0" lang="zh-CN" altLang="en-US" sz="1200" b="0" i="0" u="none" strike="noStrike" kern="1200" cap="none" spc="0" normalizeH="0" baseline="0" noProof="0">
               <a:ln>
@@ -19155,7 +19155,7 @@
     </p:spTree>
     <p:extLst>
       <p:ext uri="{BB962C8B-B14F-4D97-AF65-F5344CB8AC3E}">
-        <p14:creationId xmlns:p14="http://schemas.microsoft.com/office/powerpoint/2010/main" xmlns="" val="502202309"/>
+        <p14:creationId xmlns="" xmlns:p14="http://schemas.microsoft.com/office/powerpoint/2010/main" val="502202309"/>
       </p:ext>
     </p:extLst>
   </p:cSld>
@@ -19163,7 +19163,7 @@
     <a:masterClrMapping/>
   </p:clrMapOvr>
   <mc:AlternateContent xmlns:mc="http://schemas.openxmlformats.org/markup-compatibility/2006">
-    <mc:Choice xmlns:p159="http://schemas.microsoft.com/office/powerpoint/2015/09/main" xmlns="" Requires="p159">
+    <mc:Choice xmlns="" xmlns:p159="http://schemas.microsoft.com/office/powerpoint/2015/09/main" Requires="p159">
       <p:transition xmlns:p14="http://schemas.microsoft.com/office/powerpoint/2010/main" spd="slow" p14:dur="2000">
         <p159:morph option="byWord"/>
       </p:transition>
@@ -19283,7 +19283,7 @@
                 <a:tabLst/>
                 <a:defRPr/>
               </a:pPr>
-              <a:t>2023/2/18</a:t>
+              <a:t>2023/2/19</a:t>
             </a:fld>
             <a:endParaRPr kumimoji="0" lang="zh-CN" altLang="en-US" sz="1200" b="0" i="0" u="none" strike="noStrike" kern="1200" cap="none" spc="0" normalizeH="0" baseline="0" noProof="0">
               <a:ln>
@@ -19445,7 +19445,7 @@
     </p:spTree>
     <p:extLst>
       <p:ext uri="{BB962C8B-B14F-4D97-AF65-F5344CB8AC3E}">
-        <p14:creationId xmlns:p14="http://schemas.microsoft.com/office/powerpoint/2010/main" xmlns="" val="2439992509"/>
+        <p14:creationId xmlns="" xmlns:p14="http://schemas.microsoft.com/office/powerpoint/2010/main" val="2439992509"/>
       </p:ext>
     </p:extLst>
   </p:cSld>
@@ -19453,7 +19453,7 @@
     <a:masterClrMapping/>
   </p:clrMapOvr>
   <mc:AlternateContent xmlns:mc="http://schemas.openxmlformats.org/markup-compatibility/2006">
-    <mc:Choice xmlns:p159="http://schemas.microsoft.com/office/powerpoint/2015/09/main" xmlns="" Requires="p159">
+    <mc:Choice xmlns="" xmlns:p159="http://schemas.microsoft.com/office/powerpoint/2015/09/main" Requires="p159">
       <p:transition xmlns:p14="http://schemas.microsoft.com/office/powerpoint/2010/main" spd="slow" p14:dur="2000">
         <p159:morph option="byWord"/>
       </p:transition>
@@ -19550,7 +19550,7 @@
                 <a:tabLst/>
                 <a:defRPr/>
               </a:pPr>
-              <a:t>2023/2/18</a:t>
+              <a:t>2023/2/19</a:t>
             </a:fld>
             <a:endParaRPr kumimoji="0" lang="zh-CN" altLang="en-US" sz="1200" b="0" i="0" u="none" strike="noStrike" kern="1200" cap="none" spc="0" normalizeH="0" baseline="0" noProof="0">
               <a:ln>
@@ -19712,7 +19712,7 @@
     </p:spTree>
     <p:extLst>
       <p:ext uri="{BB962C8B-B14F-4D97-AF65-F5344CB8AC3E}">
-        <p14:creationId xmlns:p14="http://schemas.microsoft.com/office/powerpoint/2010/main" xmlns="" val="2280027124"/>
+        <p14:creationId xmlns="" xmlns:p14="http://schemas.microsoft.com/office/powerpoint/2010/main" val="2280027124"/>
       </p:ext>
     </p:extLst>
   </p:cSld>
@@ -19720,7 +19720,7 @@
     <a:masterClrMapping/>
   </p:clrMapOvr>
   <mc:AlternateContent xmlns:mc="http://schemas.openxmlformats.org/markup-compatibility/2006">
-    <mc:Choice xmlns:p159="http://schemas.microsoft.com/office/powerpoint/2015/09/main" xmlns="" Requires="p159">
+    <mc:Choice xmlns="" xmlns:p159="http://schemas.microsoft.com/office/powerpoint/2015/09/main" Requires="p159">
       <p:transition xmlns:p14="http://schemas.microsoft.com/office/powerpoint/2010/main" spd="slow" p14:dur="2000">
         <p159:morph option="byWord"/>
       </p:transition>
@@ -19999,7 +19999,7 @@
                 <a:tabLst/>
                 <a:defRPr/>
               </a:pPr>
-              <a:t>2023/2/18</a:t>
+              <a:t>2023/2/19</a:t>
             </a:fld>
             <a:endParaRPr kumimoji="0" lang="zh-CN" altLang="en-US" sz="1200" b="0" i="0" u="none" strike="noStrike" kern="1200" cap="none" spc="0" normalizeH="0" baseline="0" noProof="0">
               <a:ln>
@@ -20161,7 +20161,7 @@
     </p:spTree>
     <p:extLst>
       <p:ext uri="{BB962C8B-B14F-4D97-AF65-F5344CB8AC3E}">
-        <p14:creationId xmlns:p14="http://schemas.microsoft.com/office/powerpoint/2010/main" xmlns="" val="815585158"/>
+        <p14:creationId xmlns="" xmlns:p14="http://schemas.microsoft.com/office/powerpoint/2010/main" val="815585158"/>
       </p:ext>
     </p:extLst>
   </p:cSld>
@@ -20169,7 +20169,7 @@
     <a:masterClrMapping/>
   </p:clrMapOvr>
   <mc:AlternateContent xmlns:mc="http://schemas.openxmlformats.org/markup-compatibility/2006">
-    <mc:Choice xmlns:p159="http://schemas.microsoft.com/office/powerpoint/2015/09/main" xmlns="" Requires="p159">
+    <mc:Choice xmlns="" xmlns:p159="http://schemas.microsoft.com/office/powerpoint/2015/09/main" Requires="p159">
       <p:transition xmlns:p14="http://schemas.microsoft.com/office/powerpoint/2010/main" spd="slow" p14:dur="2000">
         <p159:morph option="byWord"/>
       </p:transition>
@@ -20428,7 +20428,7 @@
                 <a:tabLst/>
                 <a:defRPr/>
               </a:pPr>
-              <a:t>2023/2/18</a:t>
+              <a:t>2023/2/19</a:t>
             </a:fld>
             <a:endParaRPr kumimoji="0" lang="zh-CN" altLang="en-US" sz="1200" b="0" i="0" u="none" strike="noStrike" kern="1200" cap="none" spc="0" normalizeH="0" baseline="0" noProof="0">
               <a:ln>
@@ -20590,7 +20590,7 @@
     </p:spTree>
     <p:extLst>
       <p:ext uri="{BB962C8B-B14F-4D97-AF65-F5344CB8AC3E}">
-        <p14:creationId xmlns:p14="http://schemas.microsoft.com/office/powerpoint/2010/main" xmlns="" val="445783049"/>
+        <p14:creationId xmlns="" xmlns:p14="http://schemas.microsoft.com/office/powerpoint/2010/main" val="445783049"/>
       </p:ext>
     </p:extLst>
   </p:cSld>
@@ -20598,7 +20598,7 @@
     <a:masterClrMapping/>
   </p:clrMapOvr>
   <mc:AlternateContent xmlns:mc="http://schemas.openxmlformats.org/markup-compatibility/2006">
-    <mc:Choice xmlns:p159="http://schemas.microsoft.com/office/powerpoint/2015/09/main" xmlns="" Requires="p159">
+    <mc:Choice xmlns="" xmlns:p159="http://schemas.microsoft.com/office/powerpoint/2015/09/main" Requires="p159">
       <p:transition xmlns:p14="http://schemas.microsoft.com/office/powerpoint/2010/main" spd="slow" p14:dur="2000">
         <p159:morph option="byWord"/>
       </p:transition>
@@ -20765,7 +20765,7 @@
             <a:fld id="{41737D36-346E-496A-ACB2-41C4212AF577}" type="datetimeFigureOut">
               <a:rPr lang="en-US" smtClean="0"/>
               <a:pPr/>
-              <a:t>2/18/2023</a:t>
+              <a:t>2/19/2023</a:t>
             </a:fld>
             <a:endParaRPr lang="en-US"/>
           </a:p>
@@ -20855,7 +20855,7 @@
           <p:cNvPr id="7" name="图片 6">
             <a:extLst>
               <a:ext uri="{FF2B5EF4-FFF2-40B4-BE49-F238E27FC236}">
-                <a16:creationId xmlns:a16="http://schemas.microsoft.com/office/drawing/2014/main" xmlns="" id="{1F001F17-1BDE-4CAC-92F6-1C191D29D3A9}"/>
+                <a16:creationId xmlns="" xmlns:a16="http://schemas.microsoft.com/office/drawing/2014/main" id="{1F001F17-1BDE-4CAC-92F6-1C191D29D3A9}"/>
               </a:ext>
             </a:extLst>
           </p:cNvPr>
@@ -20868,7 +20868,7 @@
           <a:blip r:embed="rId20" cstate="email">
             <a:extLst>
               <a:ext uri="{28A0092B-C50C-407E-A947-70E740481C1C}">
-                <a14:useLocalDpi xmlns:a14="http://schemas.microsoft.com/office/drawing/2010/main" xmlns=""/>
+                <a14:useLocalDpi xmlns="" xmlns:a14="http://schemas.microsoft.com/office/drawing/2010/main"/>
               </a:ext>
             </a:extLst>
           </a:blip>
@@ -20890,7 +20890,7 @@
           <p:cNvPr id="8" name="图片 7">
             <a:extLst>
               <a:ext uri="{FF2B5EF4-FFF2-40B4-BE49-F238E27FC236}">
-                <a16:creationId xmlns:a16="http://schemas.microsoft.com/office/drawing/2014/main" xmlns="" id="{89874429-BD3D-412A-B8B8-1BF8EF553CBD}"/>
+                <a16:creationId xmlns="" xmlns:a16="http://schemas.microsoft.com/office/drawing/2014/main" id="{89874429-BD3D-412A-B8B8-1BF8EF553CBD}"/>
               </a:ext>
             </a:extLst>
           </p:cNvPr>
@@ -20903,7 +20903,7 @@
           <a:blip r:embed="rId21" cstate="print">
             <a:extLst>
               <a:ext uri="{28A0092B-C50C-407E-A947-70E740481C1C}">
-                <a14:useLocalDpi xmlns:a14="http://schemas.microsoft.com/office/drawing/2010/main" xmlns="" val="0"/>
+                <a14:useLocalDpi xmlns="" xmlns:a14="http://schemas.microsoft.com/office/drawing/2010/main" val="0"/>
               </a:ext>
             </a:extLst>
           </a:blip>
@@ -20924,7 +20924,7 @@
     </p:spTree>
     <p:extLst>
       <p:ext uri="{BB962C8B-B14F-4D97-AF65-F5344CB8AC3E}">
-        <p14:creationId xmlns:p14="http://schemas.microsoft.com/office/powerpoint/2010/main" xmlns="" val="1578414824"/>
+        <p14:creationId xmlns="" xmlns:p14="http://schemas.microsoft.com/office/powerpoint/2010/main" val="1578414824"/>
       </p:ext>
     </p:extLst>
   </p:cSld>
@@ -20950,7 +20950,7 @@
     <p:sldLayoutId id="2147483678" r:id="rId18"/>
   </p:sldLayoutIdLst>
   <mc:AlternateContent xmlns:mc="http://schemas.openxmlformats.org/markup-compatibility/2006">
-    <mc:Choice xmlns:p159="http://schemas.microsoft.com/office/powerpoint/2015/09/main" xmlns="" Requires="p159">
+    <mc:Choice xmlns="" xmlns:p159="http://schemas.microsoft.com/office/powerpoint/2015/09/main" Requires="p159">
       <p:transition xmlns:p14="http://schemas.microsoft.com/office/powerpoint/2010/main" spd="slow" p14:dur="2000">
         <p159:morph option="byWord"/>
       </p:transition>
@@ -21350,15 +21350,11 @@
             </a:r>
             <a:r>
               <a:rPr lang="en-US" altLang="zh-CN" dirty="0" smtClean="0"/>
-              <a:t>,</a:t>
+              <a:t>, thy, </a:t>
             </a:r>
             <a:r>
               <a:rPr lang="en-US" altLang="zh-CN" dirty="0" smtClean="0"/>
-              <a:t> thy, </a:t>
-            </a:r>
-            <a:r>
-              <a:rPr lang="en-US" altLang="zh-CN" dirty="0" err="1" smtClean="0"/>
-              <a:t>codingnoooob</a:t>
+              <a:t>Entropy-Fighter</a:t>
             </a:r>
             <a:endParaRPr lang="en-US" altLang="zh-CN" dirty="0"/>
           </a:p>
@@ -21373,7 +21369,7 @@
     <a:masterClrMapping/>
   </p:clrMapOvr>
   <mc:AlternateContent xmlns:mc="http://schemas.openxmlformats.org/markup-compatibility/2006">
-    <mc:Choice xmlns:p159="http://schemas.microsoft.com/office/powerpoint/2015/09/main" xmlns="" Requires="p159">
+    <mc:Choice xmlns="" xmlns:p159="http://schemas.microsoft.com/office/powerpoint/2015/09/main" Requires="p159">
       <p:transition xmlns:p14="http://schemas.microsoft.com/office/powerpoint/2010/main" spd="slow" p14:dur="2000">
         <p159:morph option="byWord"/>
       </p:transition>
@@ -21409,7 +21405,7 @@
           <p:cNvPr id="2" name="标题 1">
             <a:extLst>
               <a:ext uri="{FF2B5EF4-FFF2-40B4-BE49-F238E27FC236}">
-                <a16:creationId xmlns:a16="http://schemas.microsoft.com/office/drawing/2014/main" xmlns="" id="{44A0452B-4252-F56E-7A3B-9CFD21B2935B}"/>
+                <a16:creationId xmlns="" xmlns:a16="http://schemas.microsoft.com/office/drawing/2014/main" id="{44A0452B-4252-F56E-7A3B-9CFD21B2935B}"/>
               </a:ext>
             </a:extLst>
           </p:cNvPr>
@@ -21442,7 +21438,7 @@
           <p:cNvPr id="3" name="内容占位符 2">
             <a:extLst>
               <a:ext uri="{FF2B5EF4-FFF2-40B4-BE49-F238E27FC236}">
-                <a16:creationId xmlns:a16="http://schemas.microsoft.com/office/drawing/2014/main" xmlns="" id="{9AA0CCD1-30C3-1C5F-6B13-3DF87B08C080}"/>
+                <a16:creationId xmlns="" xmlns:a16="http://schemas.microsoft.com/office/drawing/2014/main" id="{9AA0CCD1-30C3-1C5F-6B13-3DF87B08C080}"/>
               </a:ext>
             </a:extLst>
           </p:cNvPr>
@@ -21660,7 +21656,7 @@
     </p:spTree>
     <p:extLst>
       <p:ext uri="{BB962C8B-B14F-4D97-AF65-F5344CB8AC3E}">
-        <p14:creationId xmlns:p14="http://schemas.microsoft.com/office/powerpoint/2010/main" xmlns="" val="2984977695"/>
+        <p14:creationId xmlns="" xmlns:p14="http://schemas.microsoft.com/office/powerpoint/2010/main" val="2984977695"/>
       </p:ext>
     </p:extLst>
   </p:cSld>
@@ -21668,7 +21664,7 @@
     <a:masterClrMapping/>
   </p:clrMapOvr>
   <mc:AlternateContent xmlns:mc="http://schemas.openxmlformats.org/markup-compatibility/2006">
-    <mc:Choice xmlns:p159="http://schemas.microsoft.com/office/powerpoint/2015/09/main" xmlns="" Requires="p159">
+    <mc:Choice xmlns="" xmlns:p159="http://schemas.microsoft.com/office/powerpoint/2015/09/main" Requires="p159">
       <p:transition xmlns:p14="http://schemas.microsoft.com/office/powerpoint/2010/main" spd="slow" p14:dur="2000">
         <p159:morph option="byWord"/>
       </p:transition>
@@ -21704,7 +21700,7 @@
           <p:cNvPr id="2" name="标题 1">
             <a:extLst>
               <a:ext uri="{FF2B5EF4-FFF2-40B4-BE49-F238E27FC236}">
-                <a16:creationId xmlns:a16="http://schemas.microsoft.com/office/drawing/2014/main" xmlns="" id="{DA4DCEED-17C8-E2F1-7AE7-486128997D51}"/>
+                <a16:creationId xmlns="" xmlns:a16="http://schemas.microsoft.com/office/drawing/2014/main" id="{DA4DCEED-17C8-E2F1-7AE7-486128997D51}"/>
               </a:ext>
             </a:extLst>
           </p:cNvPr>
@@ -21749,7 +21745,7 @@
           <p:cNvPr id="3" name="内容占位符 2">
             <a:extLst>
               <a:ext uri="{FF2B5EF4-FFF2-40B4-BE49-F238E27FC236}">
-                <a16:creationId xmlns:a16="http://schemas.microsoft.com/office/drawing/2014/main" xmlns="" id="{CF027B4E-FDD4-0B1F-39D1-ED30EA294879}"/>
+                <a16:creationId xmlns="" xmlns:a16="http://schemas.microsoft.com/office/drawing/2014/main" id="{CF027B4E-FDD4-0B1F-39D1-ED30EA294879}"/>
               </a:ext>
             </a:extLst>
           </p:cNvPr>
@@ -21895,7 +21891,7 @@
     </p:spTree>
     <p:extLst>
       <p:ext uri="{BB962C8B-B14F-4D97-AF65-F5344CB8AC3E}">
-        <p14:creationId xmlns:p14="http://schemas.microsoft.com/office/powerpoint/2010/main" xmlns="" val="3748750063"/>
+        <p14:creationId xmlns="" xmlns:p14="http://schemas.microsoft.com/office/powerpoint/2010/main" val="3748750063"/>
       </p:ext>
     </p:extLst>
   </p:cSld>
@@ -21903,7 +21899,7 @@
     <a:masterClrMapping/>
   </p:clrMapOvr>
   <mc:AlternateContent xmlns:mc="http://schemas.openxmlformats.org/markup-compatibility/2006">
-    <mc:Choice xmlns:p159="http://schemas.microsoft.com/office/powerpoint/2015/09/main" xmlns="" Requires="p159">
+    <mc:Choice xmlns="" xmlns:p159="http://schemas.microsoft.com/office/powerpoint/2015/09/main" Requires="p159">
       <p:transition xmlns:p14="http://schemas.microsoft.com/office/powerpoint/2010/main" spd="slow" p14:dur="2000">
         <p159:morph option="byWord"/>
       </p:transition>
@@ -21939,7 +21935,7 @@
           <p:cNvPr id="2" name="标题 1">
             <a:extLst>
               <a:ext uri="{FF2B5EF4-FFF2-40B4-BE49-F238E27FC236}">
-                <a16:creationId xmlns:a16="http://schemas.microsoft.com/office/drawing/2014/main" xmlns="" id="{9E6091F4-CC60-2563-777C-9B967ED8B83D}"/>
+                <a16:creationId xmlns="" xmlns:a16="http://schemas.microsoft.com/office/drawing/2014/main" id="{9E6091F4-CC60-2563-777C-9B967ED8B83D}"/>
               </a:ext>
             </a:extLst>
           </p:cNvPr>
@@ -22004,7 +22000,7 @@
           <p:cNvPr id="3" name="内容占位符 2">
             <a:extLst>
               <a:ext uri="{FF2B5EF4-FFF2-40B4-BE49-F238E27FC236}">
-                <a16:creationId xmlns:a16="http://schemas.microsoft.com/office/drawing/2014/main" xmlns="" id="{45063FC1-AE39-B2E8-9DD1-A491E2D90812}"/>
+                <a16:creationId xmlns="" xmlns:a16="http://schemas.microsoft.com/office/drawing/2014/main" id="{45063FC1-AE39-B2E8-9DD1-A491E2D90812}"/>
               </a:ext>
             </a:extLst>
           </p:cNvPr>
@@ -22254,7 +22250,7 @@
           <p:cNvPr id="5" name="图片 4">
             <a:extLst>
               <a:ext uri="{FF2B5EF4-FFF2-40B4-BE49-F238E27FC236}">
-                <a16:creationId xmlns:a16="http://schemas.microsoft.com/office/drawing/2014/main" xmlns="" id="{9AE9CDFC-EC95-6E1C-4BDD-5F9754421036}"/>
+                <a16:creationId xmlns="" xmlns:a16="http://schemas.microsoft.com/office/drawing/2014/main" id="{9AE9CDFC-EC95-6E1C-4BDD-5F9754421036}"/>
               </a:ext>
             </a:extLst>
           </p:cNvPr>
@@ -22267,7 +22263,7 @@
           <a:blip r:embed="rId2">
             <a:extLst>
               <a:ext uri="{28A0092B-C50C-407E-A947-70E740481C1C}">
-                <a14:useLocalDpi xmlns:a14="http://schemas.microsoft.com/office/drawing/2010/main" xmlns="" val="0"/>
+                <a14:useLocalDpi xmlns="" xmlns:a14="http://schemas.microsoft.com/office/drawing/2010/main" val="0"/>
               </a:ext>
             </a:extLst>
           </a:blip>
@@ -22290,7 +22286,7 @@
           <p:cNvPr id="7" name="图片 6">
             <a:extLst>
               <a:ext uri="{FF2B5EF4-FFF2-40B4-BE49-F238E27FC236}">
-                <a16:creationId xmlns:a16="http://schemas.microsoft.com/office/drawing/2014/main" xmlns="" id="{839E3A74-655F-032F-88B4-1ABDFD0B0653}"/>
+                <a16:creationId xmlns="" xmlns:a16="http://schemas.microsoft.com/office/drawing/2014/main" id="{839E3A74-655F-032F-88B4-1ABDFD0B0653}"/>
               </a:ext>
             </a:extLst>
           </p:cNvPr>
@@ -22303,7 +22299,7 @@
           <a:blip r:embed="rId3">
             <a:extLst>
               <a:ext uri="{28A0092B-C50C-407E-A947-70E740481C1C}">
-                <a14:useLocalDpi xmlns:a14="http://schemas.microsoft.com/office/drawing/2010/main" xmlns="" val="0"/>
+                <a14:useLocalDpi xmlns="" xmlns:a14="http://schemas.microsoft.com/office/drawing/2010/main" val="0"/>
               </a:ext>
             </a:extLst>
           </a:blip>
@@ -22324,7 +22320,7 @@
     </p:spTree>
     <p:extLst>
       <p:ext uri="{BB962C8B-B14F-4D97-AF65-F5344CB8AC3E}">
-        <p14:creationId xmlns:p14="http://schemas.microsoft.com/office/powerpoint/2010/main" xmlns="" val="4222601329"/>
+        <p14:creationId xmlns="" xmlns:p14="http://schemas.microsoft.com/office/powerpoint/2010/main" val="4222601329"/>
       </p:ext>
     </p:extLst>
   </p:cSld>
@@ -22332,7 +22328,7 @@
     <a:masterClrMapping/>
   </p:clrMapOvr>
   <mc:AlternateContent xmlns:mc="http://schemas.openxmlformats.org/markup-compatibility/2006">
-    <mc:Choice xmlns:p159="http://schemas.microsoft.com/office/powerpoint/2015/09/main" xmlns="" Requires="p159">
+    <mc:Choice xmlns="" xmlns:p159="http://schemas.microsoft.com/office/powerpoint/2015/09/main" Requires="p159">
       <p:transition xmlns:p14="http://schemas.microsoft.com/office/powerpoint/2010/main" spd="slow" p14:dur="2000">
         <p159:morph option="byWord"/>
       </p:transition>
@@ -22368,7 +22364,7 @@
           <p:cNvPr id="2" name="标题 1">
             <a:extLst>
               <a:ext uri="{FF2B5EF4-FFF2-40B4-BE49-F238E27FC236}">
-                <a16:creationId xmlns:a16="http://schemas.microsoft.com/office/drawing/2014/main" xmlns="" id="{E367A22B-F109-F747-4E66-FCCD757EF5AE}"/>
+                <a16:creationId xmlns="" xmlns:a16="http://schemas.microsoft.com/office/drawing/2014/main" id="{E367A22B-F109-F747-4E66-FCCD757EF5AE}"/>
               </a:ext>
             </a:extLst>
           </p:cNvPr>
@@ -22397,7 +22393,7 @@
           <p:cNvPr id="5" name="内容占位符 4">
             <a:extLst>
               <a:ext uri="{FF2B5EF4-FFF2-40B4-BE49-F238E27FC236}">
-                <a16:creationId xmlns:a16="http://schemas.microsoft.com/office/drawing/2014/main" xmlns="" id="{DE714281-4F2E-70FF-86FF-90208E4F98E1}"/>
+                <a16:creationId xmlns="" xmlns:a16="http://schemas.microsoft.com/office/drawing/2014/main" id="{DE714281-4F2E-70FF-86FF-90208E4F98E1}"/>
               </a:ext>
             </a:extLst>
           </p:cNvPr>
@@ -22412,7 +22408,7 @@
           <a:blip r:embed="rId2">
             <a:extLst>
               <a:ext uri="{28A0092B-C50C-407E-A947-70E740481C1C}">
-                <a14:useLocalDpi xmlns:a14="http://schemas.microsoft.com/office/drawing/2010/main" xmlns="" val="0"/>
+                <a14:useLocalDpi xmlns="" xmlns:a14="http://schemas.microsoft.com/office/drawing/2010/main" val="0"/>
               </a:ext>
             </a:extLst>
           </a:blip>
@@ -22432,7 +22428,7 @@
           <p:cNvPr id="7" name="图片 6">
             <a:extLst>
               <a:ext uri="{FF2B5EF4-FFF2-40B4-BE49-F238E27FC236}">
-                <a16:creationId xmlns:a16="http://schemas.microsoft.com/office/drawing/2014/main" xmlns="" id="{4C28E40C-1396-6956-17E7-E4358BD6FB5F}"/>
+                <a16:creationId xmlns="" xmlns:a16="http://schemas.microsoft.com/office/drawing/2014/main" id="{4C28E40C-1396-6956-17E7-E4358BD6FB5F}"/>
               </a:ext>
             </a:extLst>
           </p:cNvPr>
@@ -22445,7 +22441,7 @@
           <a:blip r:embed="rId3">
             <a:extLst>
               <a:ext uri="{28A0092B-C50C-407E-A947-70E740481C1C}">
-                <a14:useLocalDpi xmlns:a14="http://schemas.microsoft.com/office/drawing/2010/main" xmlns="" val="0"/>
+                <a14:useLocalDpi xmlns="" xmlns:a14="http://schemas.microsoft.com/office/drawing/2010/main" val="0"/>
               </a:ext>
             </a:extLst>
           </a:blip>
@@ -22468,7 +22464,7 @@
           <p:cNvPr id="8" name="文本框 7">
             <a:extLst>
               <a:ext uri="{FF2B5EF4-FFF2-40B4-BE49-F238E27FC236}">
-                <a16:creationId xmlns:a16="http://schemas.microsoft.com/office/drawing/2014/main" xmlns="" id="{41AC9CBD-CF26-DDC4-B965-544FC1AC23B7}"/>
+                <a16:creationId xmlns="" xmlns:a16="http://schemas.microsoft.com/office/drawing/2014/main" id="{41AC9CBD-CF26-DDC4-B965-544FC1AC23B7}"/>
               </a:ext>
             </a:extLst>
           </p:cNvPr>
@@ -22504,7 +22500,7 @@
           <p:cNvPr id="9" name="文本框 8">
             <a:extLst>
               <a:ext uri="{FF2B5EF4-FFF2-40B4-BE49-F238E27FC236}">
-                <a16:creationId xmlns:a16="http://schemas.microsoft.com/office/drawing/2014/main" xmlns="" id="{0620FCFF-9151-39B6-A4D2-DB675BC93CFC}"/>
+                <a16:creationId xmlns="" xmlns:a16="http://schemas.microsoft.com/office/drawing/2014/main" id="{0620FCFF-9151-39B6-A4D2-DB675BC93CFC}"/>
               </a:ext>
             </a:extLst>
           </p:cNvPr>
@@ -22540,7 +22536,7 @@
           <p:cNvPr id="10" name="文本框 9">
             <a:extLst>
               <a:ext uri="{FF2B5EF4-FFF2-40B4-BE49-F238E27FC236}">
-                <a16:creationId xmlns:a16="http://schemas.microsoft.com/office/drawing/2014/main" xmlns="" id="{B6D3407B-293C-365A-5BDF-F301D9305C21}"/>
+                <a16:creationId xmlns="" xmlns:a16="http://schemas.microsoft.com/office/drawing/2014/main" id="{B6D3407B-293C-365A-5BDF-F301D9305C21}"/>
               </a:ext>
             </a:extLst>
           </p:cNvPr>
@@ -22574,7 +22570,7 @@
     </p:spTree>
     <p:extLst>
       <p:ext uri="{BB962C8B-B14F-4D97-AF65-F5344CB8AC3E}">
-        <p14:creationId xmlns:p14="http://schemas.microsoft.com/office/powerpoint/2010/main" xmlns="" val="3174138501"/>
+        <p14:creationId xmlns="" xmlns:p14="http://schemas.microsoft.com/office/powerpoint/2010/main" val="3174138501"/>
       </p:ext>
     </p:extLst>
   </p:cSld>
@@ -22582,7 +22578,7 @@
     <a:masterClrMapping/>
   </p:clrMapOvr>
   <mc:AlternateContent xmlns:mc="http://schemas.openxmlformats.org/markup-compatibility/2006">
-    <mc:Choice xmlns:p159="http://schemas.microsoft.com/office/powerpoint/2015/09/main" xmlns="" Requires="p159">
+    <mc:Choice xmlns="" xmlns:p159="http://schemas.microsoft.com/office/powerpoint/2015/09/main" Requires="p159">
       <p:transition xmlns:p14="http://schemas.microsoft.com/office/powerpoint/2010/main" spd="slow" p14:dur="2000">
         <p159:morph option="byWord"/>
       </p:transition>
@@ -22629,14 +22625,84 @@
         </p:blipFill>
         <p:spPr>
           <a:xfrm>
-            <a:off x="1540701" y="671273"/>
-            <a:ext cx="8267177" cy="5421796"/>
+            <a:off x="425884" y="1247471"/>
+            <a:ext cx="5909645" cy="3875675"/>
           </a:xfrm>
           <a:prstGeom prst="rect">
             <a:avLst/>
           </a:prstGeom>
         </p:spPr>
       </p:pic>
+      <p:pic>
+        <p:nvPicPr>
+          <p:cNvPr id="4" name="图片 3" descr="sds.JPG"/>
+          <p:cNvPicPr>
+            <a:picLocks noChangeAspect="1"/>
+          </p:cNvPicPr>
+          <p:nvPr/>
+        </p:nvPicPr>
+        <p:blipFill>
+          <a:blip r:embed="rId4"/>
+          <a:stretch>
+            <a:fillRect/>
+          </a:stretch>
+        </p:blipFill>
+        <p:spPr>
+          <a:xfrm>
+            <a:off x="6301331" y="2124988"/>
+            <a:ext cx="5226050" cy="2933700"/>
+          </a:xfrm>
+          <a:prstGeom prst="rect">
+            <a:avLst/>
+          </a:prstGeom>
+        </p:spPr>
+      </p:pic>
+      <p:sp>
+        <p:nvSpPr>
+          <p:cNvPr id="5" name="TextBox 4"/>
+          <p:cNvSpPr txBox="1"/>
+          <p:nvPr/>
+        </p:nvSpPr>
+        <p:spPr>
+          <a:xfrm>
+            <a:off x="6375747" y="1202499"/>
+            <a:ext cx="4972833" cy="461665"/>
+          </a:xfrm>
+          <a:prstGeom prst="rect">
+            <a:avLst/>
+          </a:prstGeom>
+          <a:noFill/>
+        </p:spPr>
+        <p:txBody>
+          <a:bodyPr wrap="square" rtlCol="0">
+            <a:spAutoFit/>
+          </a:bodyPr>
+          <a:lstStyle/>
+          <a:p>
+            <a:r>
+              <a:rPr lang="en-US" altLang="zh-CN" sz="2400" b="1" dirty="0" smtClean="0"/>
+              <a:t>SDS(</a:t>
+            </a:r>
+            <a:r>
+              <a:rPr lang="en-US" altLang="zh-CN" sz="2400" b="1" dirty="0" err="1" smtClean="0"/>
+              <a:t>specular</a:t>
+            </a:r>
+            <a:r>
+              <a:rPr lang="en-US" altLang="zh-CN" sz="2400" b="1" dirty="0" smtClean="0"/>
+              <a:t>-diffuse-</a:t>
+            </a:r>
+            <a:r>
+              <a:rPr lang="en-US" altLang="zh-CN" sz="2400" b="1" dirty="0" err="1" smtClean="0"/>
+              <a:t>specular</a:t>
+            </a:r>
+            <a:r>
+              <a:rPr lang="en-US" altLang="zh-CN" sz="2400" b="1" dirty="0" smtClean="0"/>
+              <a:t>) path</a:t>
+            </a:r>
+            <a:endParaRPr lang="zh-CN" altLang="en-US" sz="2400" b="1" dirty="0"/>
+          </a:p>
+        </p:txBody>
+      </p:sp>
     </p:spTree>
     <p:custDataLst>
       <p:tags r:id="rId1"/>
@@ -22646,7 +22712,7 @@
     <a:masterClrMapping/>
   </p:clrMapOvr>
   <mc:AlternateContent xmlns:mc="http://schemas.openxmlformats.org/markup-compatibility/2006">
-    <mc:Choice xmlns:p159="http://schemas.microsoft.com/office/powerpoint/2015/09/main" xmlns="" Requires="p159">
+    <mc:Choice xmlns="" xmlns:p159="http://schemas.microsoft.com/office/powerpoint/2015/09/main" Requires="p159">
       <p:transition xmlns:p14="http://schemas.microsoft.com/office/powerpoint/2010/main" spd="slow" p14:dur="2000">
         <p159:morph option="byWord"/>
       </p:transition>
@@ -22657,6 +22723,13 @@
       </p:transition>
     </mc:Fallback>
   </mc:AlternateContent>
+  <p:timing>
+    <p:tnLst>
+      <p:par>
+        <p:cTn id="1" dur="indefinite" restart="never" nodeType="tmRoot"/>
+      </p:par>
+    </p:tnLst>
+  </p:timing>
 </p:sld>
 </file>
 
@@ -22785,7 +22858,7 @@
     <a:masterClrMapping/>
   </p:clrMapOvr>
   <mc:AlternateContent xmlns:mc="http://schemas.openxmlformats.org/markup-compatibility/2006">
-    <mc:Choice xmlns:p159="http://schemas.microsoft.com/office/powerpoint/2015/09/main" xmlns="" Requires="p159">
+    <mc:Choice xmlns="" xmlns:p159="http://schemas.microsoft.com/office/powerpoint/2015/09/main" Requires="p159">
       <p:transition xmlns:p14="http://schemas.microsoft.com/office/powerpoint/2010/main" spd="slow" p14:dur="2000">
         <p159:morph option="byWord"/>
       </p:transition>
@@ -23001,7 +23074,7 @@
     <a:masterClrMapping/>
   </p:clrMapOvr>
   <mc:AlternateContent xmlns:mc="http://schemas.openxmlformats.org/markup-compatibility/2006">
-    <mc:Choice xmlns:p159="http://schemas.microsoft.com/office/powerpoint/2015/09/main" xmlns="" Requires="p159">
+    <mc:Choice xmlns="" xmlns:p159="http://schemas.microsoft.com/office/powerpoint/2015/09/main" Requires="p159">
       <p:transition xmlns:p14="http://schemas.microsoft.com/office/powerpoint/2010/main" spd="slow" p14:dur="2000">
         <p159:morph option="byWord"/>
       </p:transition>
@@ -23112,7 +23185,7 @@
     <a:masterClrMapping/>
   </p:clrMapOvr>
   <mc:AlternateContent xmlns:mc="http://schemas.openxmlformats.org/markup-compatibility/2006">
-    <mc:Choice xmlns:p159="http://schemas.microsoft.com/office/powerpoint/2015/09/main" xmlns="" Requires="p159">
+    <mc:Choice xmlns="" xmlns:p159="http://schemas.microsoft.com/office/powerpoint/2015/09/main" Requires="p159">
       <p:transition xmlns:p14="http://schemas.microsoft.com/office/powerpoint/2010/main" spd="slow" p14:dur="2000">
         <p159:morph option="byWord"/>
       </p:transition>
@@ -23248,7 +23321,7 @@
     <a:masterClrMapping/>
   </p:clrMapOvr>
   <mc:AlternateContent xmlns:mc="http://schemas.openxmlformats.org/markup-compatibility/2006">
-    <mc:Choice xmlns:p159="http://schemas.microsoft.com/office/powerpoint/2015/09/main" xmlns="" Requires="p159">
+    <mc:Choice xmlns="" xmlns:p159="http://schemas.microsoft.com/office/powerpoint/2015/09/main" Requires="p159">
       <p:transition xmlns:p14="http://schemas.microsoft.com/office/powerpoint/2010/main" spd="slow" p14:dur="2000">
         <p159:morph option="byWord"/>
       </p:transition>
@@ -23658,7 +23731,7 @@
     <a:masterClrMapping/>
   </p:clrMapOvr>
   <mc:AlternateContent xmlns:mc="http://schemas.openxmlformats.org/markup-compatibility/2006">
-    <mc:Choice xmlns:p159="http://schemas.microsoft.com/office/powerpoint/2015/09/main" xmlns="" Requires="p159">
+    <mc:Choice xmlns="" xmlns:p159="http://schemas.microsoft.com/office/powerpoint/2015/09/main" Requires="p159">
       <p:transition xmlns:p14="http://schemas.microsoft.com/office/powerpoint/2010/main" spd="slow" p14:dur="2000">
         <p159:morph option="byWord"/>
       </p:transition>
@@ -23753,7 +23826,7 @@
     <a:masterClrMapping/>
   </p:clrMapOvr>
   <mc:AlternateContent xmlns:mc="http://schemas.openxmlformats.org/markup-compatibility/2006">
-    <mc:Choice xmlns:p159="http://schemas.microsoft.com/office/powerpoint/2015/09/main" xmlns="" Requires="p159">
+    <mc:Choice xmlns="" xmlns:p159="http://schemas.microsoft.com/office/powerpoint/2015/09/main" Requires="p159">
       <p:transition xmlns:p14="http://schemas.microsoft.com/office/powerpoint/2010/main" spd="slow" p14:dur="2000">
         <p159:morph option="byWord"/>
       </p:transition>
@@ -23988,7 +24061,7 @@
     <a:masterClrMapping/>
   </p:clrMapOvr>
   <mc:AlternateContent xmlns:mc="http://schemas.openxmlformats.org/markup-compatibility/2006">
-    <mc:Choice xmlns:p159="http://schemas.microsoft.com/office/powerpoint/2015/09/main" xmlns="" Requires="p159">
+    <mc:Choice xmlns="" xmlns:p159="http://schemas.microsoft.com/office/powerpoint/2015/09/main" Requires="p159">
       <p:transition xmlns:p14="http://schemas.microsoft.com/office/powerpoint/2010/main" spd="slow" p14:dur="2000">
         <p159:morph option="byWord"/>
       </p:transition>
@@ -24435,7 +24508,7 @@
   <a:extraClrSchemeLst/>
   <a:extLst>
     <a:ext uri="{05A4C25C-085E-4340-85A3-A5531E510DB2}">
-      <thm15:themeFamily xmlns:thm15="http://schemas.microsoft.com/office/thememl/2012/main" xmlns="" name="Office Theme" id="{62F939B6-93AF-4DB8-9C6B-D6C7DFDC589F}" vid="{4A3C46E8-61CC-4603-A589-7422A47A8E4A}"/>
+      <thm15:themeFamily xmlns="" xmlns:thm15="http://schemas.microsoft.com/office/thememl/2012/main" name="Office Theme" id="{62F939B6-93AF-4DB8-9C6B-D6C7DFDC589F}" vid="{4A3C46E8-61CC-4603-A589-7422A47A8E4A}"/>
     </a:ext>
   </a:extLst>
 </a:theme>
@@ -24730,7 +24803,7 @@
   <a:extraClrSchemeLst/>
   <a:extLst>
     <a:ext uri="{05A4C25C-085E-4340-85A3-A5531E510DB2}">
-      <thm15:themeFamily xmlns:thm15="http://schemas.microsoft.com/office/thememl/2012/main" xmlns="" name="Office Theme" id="{62F939B6-93AF-4DB8-9C6B-D6C7DFDC589F}" vid="{4A3C46E8-61CC-4603-A589-7422A47A8E4A}"/>
+      <thm15:themeFamily xmlns="" xmlns:thm15="http://schemas.microsoft.com/office/thememl/2012/main" name="Office Theme" id="{62F939B6-93AF-4DB8-9C6B-D6C7DFDC589F}" vid="{4A3C46E8-61CC-4603-A589-7422A47A8E4A}"/>
     </a:ext>
   </a:extLst>
 </a:theme>
